--- a/PPTs/Lecture 14 Exercises.pptx
+++ b/PPTs/Lecture 14 Exercises.pptx
@@ -17707,12 +17707,12 @@
               <a:defRPr/>
             </a:pPr>
             <a:r>
-              <a:rPr lang="en-US" altLang="zh-CN" dirty="0">
+              <a:rPr lang="en-US" altLang="zh-CN">
                 <a:solidFill>
                   <a:srgbClr val="4F81BD"/>
                 </a:solidFill>
               </a:rPr>
-              <a:t>Exercises ANS</a:t>
+              <a:t>Exercises</a:t>
             </a:r>
             <a:endParaRPr kumimoji="0" lang="en-US" sz="3600" b="0" i="0" u="none" strike="noStrike" kern="1200" cap="none" spc="0" normalizeH="0" baseline="0" noProof="0" dirty="0">
               <a:ln>
